--- a/docker.pptx
+++ b/docker.pptx
@@ -5915,7 +5915,7 @@
         <p:spPr bwMode="auto">
           <a:xfrm flipH="0" flipV="0">
             <a:off x="838197" y="1690686"/>
-            <a:ext cx="6878855" cy="2560679"/>
+            <a:ext cx="6884974" cy="2560679"/>
           </a:xfrm>
           <a:prstGeom prst="rect">
             <a:avLst/>
@@ -6011,7 +6011,7 @@
                   <a:schemeClr val="tx1"/>
                 </a:solidFill>
               </a:rPr>
-              <a:t>Simple and Performant - easily build small architectures</a:t>
+              <a:t>Simple and Performant - easily build small applications</a:t>
             </a:r>
             <a:endParaRPr sz="1800">
               <a:solidFill>
